--- a/templates/SWU.pptx
+++ b/templates/SWU.pptx
@@ -5,21 +5,26 @@
     <p:sldMasterId id="2147483648" r:id="rId1"/>
   </p:sldMasterIdLst>
   <p:notesMasterIdLst>
-    <p:notesMasterId r:id="rId3"/>
+    <p:notesMasterId r:id="rId2"/>
   </p:notesMasterIdLst>
   <p:handoutMasterIdLst>
-    <p:handoutMasterId r:id="rId4"/>
+    <p:handoutMasterId r:id="rId3"/>
   </p:handoutMasterIdLst>
   <p:sldSz cx="12192000" cy="6858000"/>
   <p:notesSz cx="6858000" cy="9144000"/>
   <p:embeddedFontLst>
     <p:embeddedFont>
-      <p:font typeface="汉仪大宋简" panose="02010609000101010101" charset="-122"/>
-      <p:regular r:id="rId8"/>
+      <p:font typeface="微软雅黑" panose="020B0503020204020204" pitchFamily="34" charset="-122"/>
+      <p:regular r:id="rId4"/>
+      <p:bold r:id="rId5"/>
     </p:embeddedFont>
     <p:embeddedFont>
-      <p:font typeface="微软雅黑" panose="020B0503020204020204" charset="-122"/>
-      <p:regular r:id="rId9"/>
+      <p:font typeface="宋体" panose="02010600030101010101" pitchFamily="2" charset="-122"/>
+      <p:regular r:id="rId6"/>
+    </p:embeddedFont>
+    <p:embeddedFont>
+      <p:font typeface="汉仪大宋简" panose="02010609000101010101" pitchFamily="49" charset="-122"/>
+      <p:regular r:id="rId7"/>
     </p:embeddedFont>
   </p:embeddedFontLst>
   <p:defaultTextStyle>
@@ -117,7 +122,174 @@
       </a:defRPr>
     </a:lvl9pPr>
   </p:defaultTextStyle>
+  <p:extLst>
+    <p:ext uri="{EFAFB233-063F-42B5-8137-9DF3F51BA10A}">
+      <p15:sldGuideLst xmlns:p15="http://schemas.microsoft.com/office/powerpoint/2012/main">
+        <p15:guide id="1" orient="horz" pos="2159">
+          <p15:clr>
+            <a:srgbClr val="A4A3A4"/>
+          </p15:clr>
+        </p15:guide>
+        <p15:guide id="2" pos="3839">
+          <p15:clr>
+            <a:srgbClr val="A4A3A4"/>
+          </p15:clr>
+        </p15:guide>
+      </p15:sldGuideLst>
+    </p:ext>
+    <p:ext uri="{2D200454-40CA-4A62-9FC3-DE9A4176ACB9}">
+      <p15:notesGuideLst xmlns:p15="http://schemas.microsoft.com/office/powerpoint/2012/main"/>
+    </p:ext>
+  </p:extLst>
 </p:presentation>
+</file>
+
+<file path=ppt/revisionInfo.xml><?xml version="1.0" encoding="utf-8"?>
+<p1510:revInfo xmlns:a="http://schemas.openxmlformats.org/drawingml/2006/main" xmlns:r="http://schemas.openxmlformats.org/officeDocument/2006/relationships" xmlns:p1510="http://schemas.microsoft.com/office/powerpoint/2015/10/main">
+  <p1510:revLst>
+    <p1510:client id="{598E41E9-C617-BC4F-A6F7-B1472EC746B8}" v="27" dt="2022-03-14T07:20:11.904"/>
+  </p1510:revLst>
+</p1510:revInfo>
+</file>
+
+<file path=ppt/changesInfos/changesInfo1.xml><?xml version="1.0" encoding="utf-8"?>
+<pc:chgInfo xmlns:a="http://schemas.openxmlformats.org/drawingml/2006/main" xmlns:r="http://schemas.openxmlformats.org/officeDocument/2006/relationships" xmlns:ac="http://schemas.microsoft.com/office/drawing/2013/main/command" xmlns:pc="http://schemas.microsoft.com/office/powerpoint/2013/main/command">
+  <pc:docChgLst>
+    <pc:chgData name="LIU, Qilong Kirov [Student]" userId="4507375a-4a4a-4dd8-b55f-c0bde07fc75c" providerId="ADAL" clId="{598E41E9-C617-BC4F-A6F7-B1472EC746B8}"/>
+    <pc:docChg chg="addSld delSld modMainMaster">
+      <pc:chgData name="LIU, Qilong Kirov [Student]" userId="4507375a-4a4a-4dd8-b55f-c0bde07fc75c" providerId="ADAL" clId="{598E41E9-C617-BC4F-A6F7-B1472EC746B8}" dt="2022-03-14T07:20:11.903" v="28" actId="2711"/>
+      <pc:docMkLst>
+        <pc:docMk/>
+      </pc:docMkLst>
+      <pc:sldChg chg="new del">
+        <pc:chgData name="LIU, Qilong Kirov [Student]" userId="4507375a-4a4a-4dd8-b55f-c0bde07fc75c" providerId="ADAL" clId="{598E41E9-C617-BC4F-A6F7-B1472EC746B8}" dt="2022-03-14T07:07:29.219" v="11" actId="2696"/>
+        <pc:sldMkLst>
+          <pc:docMk/>
+          <pc:sldMk cId="3482949369" sldId="256"/>
+        </pc:sldMkLst>
+      </pc:sldChg>
+      <pc:sldMasterChg chg="modSldLayout">
+        <pc:chgData name="LIU, Qilong Kirov [Student]" userId="4507375a-4a4a-4dd8-b55f-c0bde07fc75c" providerId="ADAL" clId="{598E41E9-C617-BC4F-A6F7-B1472EC746B8}" dt="2022-03-14T07:20:11.903" v="28" actId="2711"/>
+        <pc:sldMasterMkLst>
+          <pc:docMk/>
+          <pc:sldMasterMk cId="0" sldId="2147483648"/>
+        </pc:sldMasterMkLst>
+        <pc:sldLayoutChg chg="modSp">
+          <pc:chgData name="LIU, Qilong Kirov [Student]" userId="4507375a-4a4a-4dd8-b55f-c0bde07fc75c" providerId="ADAL" clId="{598E41E9-C617-BC4F-A6F7-B1472EC746B8}" dt="2022-03-14T07:19:51.046" v="24" actId="2711"/>
+          <pc:sldLayoutMkLst>
+            <pc:docMk/>
+            <pc:sldMasterMk cId="0" sldId="2147483648"/>
+            <pc:sldLayoutMk cId="0" sldId="2147483649"/>
+          </pc:sldLayoutMkLst>
+          <pc:spChg chg="mod">
+            <ac:chgData name="LIU, Qilong Kirov [Student]" userId="4507375a-4a4a-4dd8-b55f-c0bde07fc75c" providerId="ADAL" clId="{598E41E9-C617-BC4F-A6F7-B1472EC746B8}" dt="2022-03-14T07:19:51.046" v="24" actId="2711"/>
+            <ac:spMkLst>
+              <pc:docMk/>
+              <pc:sldMasterMk cId="0" sldId="2147483648"/>
+              <pc:sldLayoutMk cId="0" sldId="2147483649"/>
+              <ac:spMk id="4" creationId="{00000000-0000-0000-0000-000000000000}"/>
+            </ac:spMkLst>
+          </pc:spChg>
+          <pc:spChg chg="mod">
+            <ac:chgData name="LIU, Qilong Kirov [Student]" userId="4507375a-4a4a-4dd8-b55f-c0bde07fc75c" providerId="ADAL" clId="{598E41E9-C617-BC4F-A6F7-B1472EC746B8}" dt="2022-03-14T07:15:38.531" v="14" actId="2711"/>
+            <ac:spMkLst>
+              <pc:docMk/>
+              <pc:sldMasterMk cId="0" sldId="2147483648"/>
+              <pc:sldLayoutMk cId="0" sldId="2147483649"/>
+              <ac:spMk id="14" creationId="{00000000-0000-0000-0000-000000000000}"/>
+            </ac:spMkLst>
+          </pc:spChg>
+        </pc:sldLayoutChg>
+        <pc:sldLayoutChg chg="modSp">
+          <pc:chgData name="LIU, Qilong Kirov [Student]" userId="4507375a-4a4a-4dd8-b55f-c0bde07fc75c" providerId="ADAL" clId="{598E41E9-C617-BC4F-A6F7-B1472EC746B8}" dt="2022-03-14T07:19:56.854" v="25" actId="2711"/>
+          <pc:sldLayoutMkLst>
+            <pc:docMk/>
+            <pc:sldMasterMk cId="0" sldId="2147483648"/>
+            <pc:sldLayoutMk cId="0" sldId="2147483650"/>
+          </pc:sldLayoutMkLst>
+          <pc:spChg chg="mod">
+            <ac:chgData name="LIU, Qilong Kirov [Student]" userId="4507375a-4a4a-4dd8-b55f-c0bde07fc75c" providerId="ADAL" clId="{598E41E9-C617-BC4F-A6F7-B1472EC746B8}" dt="2022-03-14T07:15:58.767" v="17" actId="2711"/>
+            <ac:spMkLst>
+              <pc:docMk/>
+              <pc:sldMasterMk cId="0" sldId="2147483648"/>
+              <pc:sldLayoutMk cId="0" sldId="2147483650"/>
+              <ac:spMk id="5" creationId="{00000000-0000-0000-0000-000000000000}"/>
+            </ac:spMkLst>
+          </pc:spChg>
+          <pc:spChg chg="mod">
+            <ac:chgData name="LIU, Qilong Kirov [Student]" userId="4507375a-4a4a-4dd8-b55f-c0bde07fc75c" providerId="ADAL" clId="{598E41E9-C617-BC4F-A6F7-B1472EC746B8}" dt="2022-03-14T07:19:56.854" v="25" actId="2711"/>
+            <ac:spMkLst>
+              <pc:docMk/>
+              <pc:sldMasterMk cId="0" sldId="2147483648"/>
+              <pc:sldLayoutMk cId="0" sldId="2147483650"/>
+              <ac:spMk id="6" creationId="{00000000-0000-0000-0000-000000000000}"/>
+            </ac:spMkLst>
+          </pc:spChg>
+        </pc:sldLayoutChg>
+        <pc:sldLayoutChg chg="modSp">
+          <pc:chgData name="LIU, Qilong Kirov [Student]" userId="4507375a-4a4a-4dd8-b55f-c0bde07fc75c" providerId="ADAL" clId="{598E41E9-C617-BC4F-A6F7-B1472EC746B8}" dt="2022-03-14T07:20:02.108" v="26" actId="2711"/>
+          <pc:sldLayoutMkLst>
+            <pc:docMk/>
+            <pc:sldMasterMk cId="0" sldId="2147483648"/>
+            <pc:sldLayoutMk cId="0" sldId="2147483651"/>
+          </pc:sldLayoutMkLst>
+          <pc:spChg chg="mod">
+            <ac:chgData name="LIU, Qilong Kirov [Student]" userId="4507375a-4a4a-4dd8-b55f-c0bde07fc75c" providerId="ADAL" clId="{598E41E9-C617-BC4F-A6F7-B1472EC746B8}" dt="2022-03-14T07:20:02.108" v="26" actId="2711"/>
+            <ac:spMkLst>
+              <pc:docMk/>
+              <pc:sldMasterMk cId="0" sldId="2147483648"/>
+              <pc:sldLayoutMk cId="0" sldId="2147483651"/>
+              <ac:spMk id="6" creationId="{00000000-0000-0000-0000-000000000000}"/>
+            </ac:spMkLst>
+          </pc:spChg>
+          <pc:spChg chg="mod">
+            <ac:chgData name="LIU, Qilong Kirov [Student]" userId="4507375a-4a4a-4dd8-b55f-c0bde07fc75c" providerId="ADAL" clId="{598E41E9-C617-BC4F-A6F7-B1472EC746B8}" dt="2022-03-14T06:58:18.656" v="7" actId="2711"/>
+            <ac:spMkLst>
+              <pc:docMk/>
+              <pc:sldMasterMk cId="0" sldId="2147483648"/>
+              <pc:sldLayoutMk cId="0" sldId="2147483651"/>
+              <ac:spMk id="9" creationId="{00000000-0000-0000-0000-000000000000}"/>
+            </ac:spMkLst>
+          </pc:spChg>
+        </pc:sldLayoutChg>
+        <pc:sldLayoutChg chg="modSp">
+          <pc:chgData name="LIU, Qilong Kirov [Student]" userId="4507375a-4a4a-4dd8-b55f-c0bde07fc75c" providerId="ADAL" clId="{598E41E9-C617-BC4F-A6F7-B1472EC746B8}" dt="2022-03-14T07:20:07.208" v="27" actId="2711"/>
+          <pc:sldLayoutMkLst>
+            <pc:docMk/>
+            <pc:sldMasterMk cId="0" sldId="2147483648"/>
+            <pc:sldLayoutMk cId="0" sldId="2147483652"/>
+          </pc:sldLayoutMkLst>
+          <pc:spChg chg="mod">
+            <ac:chgData name="LIU, Qilong Kirov [Student]" userId="4507375a-4a4a-4dd8-b55f-c0bde07fc75c" providerId="ADAL" clId="{598E41E9-C617-BC4F-A6F7-B1472EC746B8}" dt="2022-03-14T07:20:07.208" v="27" actId="2711"/>
+            <ac:spMkLst>
+              <pc:docMk/>
+              <pc:sldMasterMk cId="0" sldId="2147483648"/>
+              <pc:sldLayoutMk cId="0" sldId="2147483652"/>
+              <ac:spMk id="14" creationId="{00000000-0000-0000-0000-000000000000}"/>
+            </ac:spMkLst>
+          </pc:spChg>
+        </pc:sldLayoutChg>
+        <pc:sldLayoutChg chg="modSp">
+          <pc:chgData name="LIU, Qilong Kirov [Student]" userId="4507375a-4a4a-4dd8-b55f-c0bde07fc75c" providerId="ADAL" clId="{598E41E9-C617-BC4F-A6F7-B1472EC746B8}" dt="2022-03-14T07:20:11.903" v="28" actId="2711"/>
+          <pc:sldLayoutMkLst>
+            <pc:docMk/>
+            <pc:sldMasterMk cId="0" sldId="2147483648"/>
+            <pc:sldLayoutMk cId="0" sldId="2147483653"/>
+          </pc:sldLayoutMkLst>
+          <pc:spChg chg="mod">
+            <ac:chgData name="LIU, Qilong Kirov [Student]" userId="4507375a-4a4a-4dd8-b55f-c0bde07fc75c" providerId="ADAL" clId="{598E41E9-C617-BC4F-A6F7-B1472EC746B8}" dt="2022-03-14T07:20:11.903" v="28" actId="2711"/>
+            <ac:spMkLst>
+              <pc:docMk/>
+              <pc:sldMasterMk cId="0" sldId="2147483648"/>
+              <pc:sldLayoutMk cId="0" sldId="2147483653"/>
+              <ac:spMk id="5" creationId="{00000000-0000-0000-0000-000000000000}"/>
+            </ac:spMkLst>
+          </pc:spChg>
+        </pc:sldLayoutChg>
+      </pc:sldMasterChg>
+    </pc:docChg>
+  </pc:docChgLst>
+</pc:chgInfo>
 </file>
 
 <file path=ppt/handoutMasters/handoutMaster1.xml><?xml version="1.0" encoding="utf-8"?>
@@ -208,6 +380,7 @@
                 <a:latin typeface="微软雅黑" panose="020B0503020204020204" charset="-122"/>
                 <a:ea typeface="微软雅黑" panose="020B0503020204020204" charset="-122"/>
               </a:rPr>
+              <a:t>2022/3/14</a:t>
             </a:fld>
             <a:endParaRPr lang="zh-CN" altLang="en-US">
               <a:latin typeface="微软雅黑" panose="020B0503020204020204" charset="-122"/>
@@ -282,6 +455,7 @@
                 <a:latin typeface="微软雅黑" panose="020B0503020204020204" charset="-122"/>
                 <a:ea typeface="微软雅黑" panose="020B0503020204020204" charset="-122"/>
               </a:rPr>
+              <a:t>‹#›</a:t>
             </a:fld>
             <a:endParaRPr lang="zh-CN" altLang="en-US">
               <a:latin typeface="微软雅黑" panose="020B0503020204020204" charset="-122"/>
@@ -291,6 +465,11 @@
         </p:txBody>
       </p:sp>
     </p:spTree>
+    <p:extLst>
+      <p:ext uri="{BB962C8B-B14F-4D97-AF65-F5344CB8AC3E}">
+        <p14:creationId xmlns:p14="http://schemas.microsoft.com/office/powerpoint/2010/main" val="1"/>
+      </p:ext>
+    </p:extLst>
   </p:cSld>
   <p:clrMap bg1="lt1" tx1="dk1" bg2="lt2" tx2="dk2" accent1="accent1" accent2="accent2" accent3="accent3" accent4="accent4" accent5="accent5" accent6="accent6" hlink="hlink" folHlink="folHlink"/>
 </p:handoutMaster>
@@ -384,6 +563,7 @@
           <a:p>
             <a:fld id="{1AC49D05-6128-4D0D-A32A-06A5E73B386C}" type="datetimeFigureOut">
               <a:rPr lang="zh-CN" altLang="en-US" smtClean="0"/>
+              <a:t>2022/3/14</a:t>
             </a:fld>
             <a:endParaRPr lang="zh-CN" altLang="en-US"/>
           </a:p>
@@ -450,7 +630,6 @@
               <a:rPr lang="zh-CN" altLang="en-US"/>
               <a:t>单击此处编辑母版文本样式</a:t>
             </a:r>
-            <a:endParaRPr lang="zh-CN" altLang="en-US"/>
           </a:p>
           <a:p>
             <a:pPr lvl="1"/>
@@ -458,7 +637,6 @@
               <a:rPr lang="zh-CN" altLang="en-US"/>
               <a:t>第二级</a:t>
             </a:r>
-            <a:endParaRPr lang="zh-CN" altLang="en-US"/>
           </a:p>
           <a:p>
             <a:pPr lvl="2"/>
@@ -466,7 +644,6 @@
               <a:rPr lang="zh-CN" altLang="en-US"/>
               <a:t>第三级</a:t>
             </a:r>
-            <a:endParaRPr lang="zh-CN" altLang="en-US"/>
           </a:p>
           <a:p>
             <a:pPr lvl="3"/>
@@ -474,7 +651,6 @@
               <a:rPr lang="zh-CN" altLang="en-US"/>
               <a:t>第四级</a:t>
             </a:r>
-            <a:endParaRPr lang="zh-CN" altLang="en-US"/>
           </a:p>
           <a:p>
             <a:pPr lvl="4"/>
@@ -482,7 +658,6 @@
               <a:rPr lang="zh-CN" altLang="en-US"/>
               <a:t>第五级</a:t>
             </a:r>
-            <a:endParaRPr lang="zh-CN" altLang="en-US"/>
           </a:p>
         </p:txBody>
       </p:sp>
@@ -552,6 +727,7 @@
           <a:p>
             <a:fld id="{5849F42C-2DAE-424C-A4B8-3140182C3E9F}" type="slidenum">
               <a:rPr lang="zh-CN" altLang="en-US" smtClean="0"/>
+              <a:t>‹#›</a:t>
             </a:fld>
             <a:endParaRPr lang="zh-CN" altLang="en-US"/>
           </a:p>
@@ -751,7 +927,7 @@
                   <a:schemeClr val="bg1"/>
                 </a:solidFill>
                 <a:latin typeface="Times New Roman" panose="02020603050405020304" pitchFamily="18" charset="0"/>
-                <a:ea typeface="汉仪大宋简" panose="02010609000101010101" charset="-122"/>
+                <a:ea typeface="Songti TC" panose="02010600040101010101" pitchFamily="2" charset="-120"/>
                 <a:cs typeface="Times New Roman" panose="02020603050405020304" pitchFamily="18" charset="0"/>
               </a:defRPr>
             </a:lvl1pPr>
@@ -844,7 +1020,7 @@
                   <a:schemeClr val="bg1"/>
                 </a:solidFill>
                 <a:latin typeface="Times New Roman" panose="02020603050405020304" pitchFamily="18" charset="0"/>
-                <a:ea typeface="汉仪大宋简" panose="02010609000101010101" charset="-122"/>
+                <a:ea typeface="Songti TC" panose="02010600040101010101" pitchFamily="2" charset="-120"/>
                 <a:cs typeface="Times New Roman" panose="02020603050405020304" pitchFamily="18" charset="0"/>
               </a:defRPr>
             </a:lvl1pPr>
@@ -891,7 +1067,6 @@
               <a:rPr lang="zh-CN" altLang="en-US" dirty="0"/>
               <a:t>DATE</a:t>
             </a:r>
-            <a:endParaRPr lang="zh-CN" altLang="en-US" dirty="0"/>
           </a:p>
         </p:txBody>
       </p:sp>
@@ -973,7 +1148,6 @@
               <a:rPr lang="zh-CN" altLang="en-US" dirty="0"/>
               <a:t>ABSTRACT</a:t>
             </a:r>
-            <a:endParaRPr lang="zh-CN" altLang="en-US" dirty="0"/>
           </a:p>
         </p:txBody>
       </p:sp>
@@ -1136,15 +1310,6 @@
                   </a:rPr>
                   <a:t>haring</a:t>
                 </a:r>
-                <a:endParaRPr lang="zh-CN" sz="2000" b="1" i="1">
-                  <a:solidFill>
-                    <a:schemeClr val="bg1"/>
-                  </a:solidFill>
-                  <a:latin typeface="Times New Roman" panose="02020603050405020304" pitchFamily="18" charset="0"/>
-                  <a:ea typeface="汉仪大宋简" panose="02010609000101010101" charset="-122"/>
-                  <a:cs typeface="Times New Roman" panose="02020603050405020304" pitchFamily="18" charset="0"/>
-                  <a:sym typeface="+mn-ea"/>
-                </a:endParaRPr>
               </a:p>
             </p:txBody>
           </p:sp>
@@ -1206,6 +1371,7 @@
           <a:bodyPr wrap="square" rtlCol="0">
             <a:spAutoFit/>
           </a:bodyPr>
+          <a:lstStyle/>
           <a:p>
             <a:pPr algn="ctr"/>
             <a:r>
@@ -1220,15 +1386,6 @@
               </a:rPr>
               <a:t>含弘</a:t>
             </a:r>
-            <a:endParaRPr lang="zh-CN" sz="3600">
-              <a:solidFill>
-                <a:srgbClr val="212771"/>
-              </a:solidFill>
-              <a:latin typeface="Times New Roman" panose="02020603050405020304" pitchFamily="18" charset="0"/>
-              <a:ea typeface="汉仪大宋简" panose="02010609000101010101" charset="-122"/>
-              <a:cs typeface="Times New Roman" panose="02020603050405020304" pitchFamily="18" charset="0"/>
-              <a:sym typeface="+mn-ea"/>
-            </a:endParaRPr>
           </a:p>
           <a:p>
             <a:pPr algn="ctr"/>
@@ -1244,15 +1401,6 @@
               </a:rPr>
               <a:t>光大</a:t>
             </a:r>
-            <a:endParaRPr lang="zh-CN" sz="3600">
-              <a:solidFill>
-                <a:srgbClr val="212771"/>
-              </a:solidFill>
-              <a:latin typeface="Times New Roman" panose="02020603050405020304" pitchFamily="18" charset="0"/>
-              <a:ea typeface="汉仪大宋简" panose="02010609000101010101" charset="-122"/>
-              <a:cs typeface="Times New Roman" panose="02020603050405020304" pitchFamily="18" charset="0"/>
-              <a:sym typeface="+mn-ea"/>
-            </a:endParaRPr>
           </a:p>
           <a:p>
             <a:pPr algn="ctr"/>
@@ -1268,15 +1416,6 @@
               </a:rPr>
               <a:t>继往</a:t>
             </a:r>
-            <a:endParaRPr lang="zh-CN" sz="3600">
-              <a:solidFill>
-                <a:srgbClr val="212771"/>
-              </a:solidFill>
-              <a:latin typeface="Times New Roman" panose="02020603050405020304" pitchFamily="18" charset="0"/>
-              <a:ea typeface="汉仪大宋简" panose="02010609000101010101" charset="-122"/>
-              <a:cs typeface="Times New Roman" panose="02020603050405020304" pitchFamily="18" charset="0"/>
-              <a:sym typeface="+mn-ea"/>
-            </a:endParaRPr>
           </a:p>
           <a:p>
             <a:pPr algn="ctr"/>
@@ -1292,15 +1431,6 @@
               </a:rPr>
               <a:t>开来</a:t>
             </a:r>
-            <a:endParaRPr lang="zh-CN" sz="3600">
-              <a:solidFill>
-                <a:srgbClr val="212771"/>
-              </a:solidFill>
-              <a:latin typeface="Times New Roman" panose="02020603050405020304" pitchFamily="18" charset="0"/>
-              <a:ea typeface="汉仪大宋简" panose="02010609000101010101" charset="-122"/>
-              <a:cs typeface="Times New Roman" panose="02020603050405020304" pitchFamily="18" charset="0"/>
-              <a:sym typeface="+mn-ea"/>
-            </a:endParaRPr>
           </a:p>
         </p:txBody>
       </p:sp>
@@ -1324,6 +1454,7 @@
           <a:bodyPr wrap="square" rtlCol="0">
             <a:spAutoFit/>
           </a:bodyPr>
+          <a:lstStyle/>
           <a:p>
             <a:pPr algn="ctr"/>
             <a:r>
@@ -1625,7 +1756,7 @@
               </a:spcAft>
               <a:defRPr spc="0">
                 <a:latin typeface="Times New Roman" panose="02020603050405020304" pitchFamily="18" charset="0"/>
-                <a:ea typeface="汉仪大宋简" panose="02010609000101010101" charset="-122"/>
+                <a:ea typeface="Songti TC" panose="02010600040101010101" pitchFamily="2" charset="-120"/>
                 <a:cs typeface="Times New Roman" panose="02020603050405020304" pitchFamily="18" charset="0"/>
               </a:defRPr>
             </a:lvl1pPr>
@@ -1672,7 +1803,6 @@
               <a:rPr lang="zh-CN" altLang="en-US" dirty="0"/>
               <a:t>HEADER</a:t>
             </a:r>
-            <a:endParaRPr lang="zh-CN" altLang="en-US" dirty="0"/>
           </a:p>
         </p:txBody>
       </p:sp>
@@ -1899,7 +2029,7 @@
                   <a:schemeClr val="bg1"/>
                 </a:solidFill>
                 <a:latin typeface="Times New Roman" panose="02020603050405020304" pitchFamily="18" charset="0"/>
-                <a:ea typeface="汉仪大宋简" panose="02010609000101010101" charset="-122"/>
+                <a:ea typeface="Songti TC" panose="02010600040101010101" pitchFamily="2" charset="-120"/>
                 <a:cs typeface="Times New Roman" panose="02020603050405020304" pitchFamily="18" charset="0"/>
               </a:defRPr>
             </a:lvl1pPr>
@@ -2139,7 +2269,7 @@
     <p:bldLst>
       <p:bldP spid="4" grpId="0" bldLvl="0" animBg="1"/>
       <p:bldP spid="4" grpId="1" animBg="1"/>
-      <p:bldP spid="5" grpId="0" bldLvl="0" build="allAtOnce">
+      <p:bldP spid="5" grpId="0" build="allAtOnce" bldLvl="0">
         <p:tmplLst>
           <p:tmpl lvl="1">
             <p:tnLst>
@@ -2153,11 +2283,7 @@
                       <p:cBhvr>
                         <p:cTn dur="2000" fill="hold"/>
                         <p:tgtEl>
-                          <p:spTgt spid="5">
-                            <p:txEl>
-                              <p:pRg st="0" end="0"/>
-                            </p:txEl>
-                          </p:spTgt>
+                          <p:spTgt spid="5"/>
                         </p:tgtEl>
                         <p:attrNameLst>
                           <p:attrName>ppt_x</p:attrName>
@@ -2418,8 +2544,8 @@
                   <a:schemeClr val="bg1"/>
                 </a:solidFill>
                 <a:effectLst/>
-                <a:latin typeface="Times New Roman" panose="02020603050405020304" pitchFamily="18" charset="0"/>
-                <a:ea typeface="汉仪大宋简" panose="02010609000101010101" charset="-122"/>
+                <a:latin typeface="Songti TC" panose="02010600040101010101" pitchFamily="2" charset="-120"/>
+                <a:ea typeface="Songti TC" panose="02010600040101010101" pitchFamily="2" charset="-120"/>
                 <a:cs typeface="Times New Roman" panose="02020603050405020304" pitchFamily="18" charset="0"/>
               </a:defRPr>
             </a:lvl1pPr>
@@ -2518,7 +2644,7 @@
               </a:spcAft>
               <a:defRPr spc="0">
                 <a:latin typeface="Times New Roman" panose="02020603050405020304" pitchFamily="18" charset="0"/>
-                <a:ea typeface="汉仪大宋简" panose="02010609000101010101" charset="-122"/>
+                <a:ea typeface="Songti TC" panose="02010600040101010101" pitchFamily="2" charset="-120"/>
                 <a:cs typeface="Times New Roman" panose="02020603050405020304" pitchFamily="18" charset="0"/>
               </a:defRPr>
             </a:lvl1pPr>
@@ -2565,7 +2691,6 @@
               <a:rPr lang="zh-CN" altLang="en-US" dirty="0"/>
               <a:t>HEADER</a:t>
             </a:r>
-            <a:endParaRPr lang="zh-CN" altLang="en-US" dirty="0"/>
           </a:p>
         </p:txBody>
       </p:sp>
@@ -2738,7 +2863,7 @@
     <p:bldLst>
       <p:bldP spid="2" grpId="0" bldLvl="0" animBg="1"/>
       <p:bldP spid="2" grpId="1" animBg="1"/>
-      <p:bldP spid="9" grpId="0" bldLvl="0" build="allAtOnce">
+      <p:bldP spid="9" grpId="0" build="allAtOnce" bldLvl="0">
         <p:tmplLst>
           <p:tmpl lvl="1">
             <p:tnLst>
@@ -2865,7 +2990,6 @@
               <a:rPr lang="zh-CN" altLang="en-US" dirty="0"/>
               <a:t>TEXT</a:t>
             </a:r>
-            <a:endParaRPr lang="zh-CN" altLang="en-US" dirty="0"/>
           </a:p>
         </p:txBody>
       </p:sp>
@@ -2897,7 +3021,7 @@
               </a:spcAft>
               <a:defRPr spc="0">
                 <a:latin typeface="Times New Roman" panose="02020603050405020304" pitchFamily="18" charset="0"/>
-                <a:ea typeface="汉仪大宋简" panose="02010609000101010101" charset="-122"/>
+                <a:ea typeface="Songti TC" panose="02010600040101010101" pitchFamily="2" charset="-120"/>
                 <a:cs typeface="Times New Roman" panose="02020603050405020304" pitchFamily="18" charset="0"/>
               </a:defRPr>
             </a:lvl1pPr>
@@ -2944,7 +3068,6 @@
               <a:rPr lang="zh-CN" altLang="en-US" dirty="0"/>
               <a:t>HEADER</a:t>
             </a:r>
-            <a:endParaRPr lang="zh-CN" altLang="en-US" dirty="0"/>
           </a:p>
         </p:txBody>
       </p:sp>
@@ -3016,120 +3139,6 @@
   <p:clrMapOvr>
     <a:masterClrMapping/>
   </p:clrMapOvr>
-  <p:timing>
-    <p:tnLst>
-      <p:par>
-        <p:cTn id="1" dur="indefinite" restart="never" nodeType="tmRoot"/>
-      </p:par>
-    </p:tnLst>
-    <p:bldLst>
-      <p:bldP spid="10" grpId="1" build="p">
-        <p:tmplLst>
-          <p:tmpl lvl="1">
-            <p:tnLst>
-              <p:par>
-                <p:cTn presetID="42" presetClass="exit" presetSubtype="0" fill="hold" nodeType="clickEffect">
-                  <p:stCondLst>
-                    <p:cond delay="0"/>
-                  </p:stCondLst>
-                  <p:childTnLst>
-                    <p:animEffect transition="out" filter="fade">
-                      <p:cBhvr>
-                        <p:cTn dur="1000"/>
-                        <p:tgtEl>
-                          <p:spTgt spid="10">
-                            <p:txEl>
-                              <p:pRg st="0" end="0"/>
-                            </p:txEl>
-                          </p:spTgt>
-                        </p:tgtEl>
-                      </p:cBhvr>
-                    </p:animEffect>
-                    <p:anim calcmode="lin" valueType="num">
-                      <p:cBhvr>
-                        <p:cTn dur="1000"/>
-                        <p:tgtEl>
-                          <p:spTgt spid="10">
-                            <p:txEl>
-                              <p:pRg st="0" end="0"/>
-                            </p:txEl>
-                          </p:spTgt>
-                        </p:tgtEl>
-                        <p:attrNameLst>
-                          <p:attrName>ppt_x</p:attrName>
-                        </p:attrNameLst>
-                      </p:cBhvr>
-                      <p:tavLst>
-                        <p:tav tm="0">
-                          <p:val>
-                            <p:strVal val="ppt_x"/>
-                          </p:val>
-                        </p:tav>
-                        <p:tav tm="100000">
-                          <p:val>
-                            <p:strVal val="ppt_x"/>
-                          </p:val>
-                        </p:tav>
-                      </p:tavLst>
-                    </p:anim>
-                    <p:anim calcmode="lin" valueType="num">
-                      <p:cBhvr>
-                        <p:cTn dur="1000"/>
-                        <p:tgtEl>
-                          <p:spTgt spid="10">
-                            <p:txEl>
-                              <p:pRg st="0" end="0"/>
-                            </p:txEl>
-                          </p:spTgt>
-                        </p:tgtEl>
-                        <p:attrNameLst>
-                          <p:attrName>ppt_y</p:attrName>
-                        </p:attrNameLst>
-                      </p:cBhvr>
-                      <p:tavLst>
-                        <p:tav tm="0">
-                          <p:val>
-                            <p:strVal val="ppt_y"/>
-                          </p:val>
-                        </p:tav>
-                        <p:tav tm="100000">
-                          <p:val>
-                            <p:strVal val="ppt_y+.1"/>
-                          </p:val>
-                        </p:tav>
-                      </p:tavLst>
-                    </p:anim>
-                    <p:set>
-                      <p:cBhvr>
-                        <p:cTn dur="1" fill="hold">
-                          <p:stCondLst>
-                            <p:cond delay="999"/>
-                          </p:stCondLst>
-                        </p:cTn>
-                        <p:tgtEl>
-                          <p:spTgt spid="10">
-                            <p:txEl>
-                              <p:pRg st="0" end="0"/>
-                            </p:txEl>
-                          </p:spTgt>
-                        </p:tgtEl>
-                        <p:attrNameLst>
-                          <p:attrName>style.visibility</p:attrName>
-                        </p:attrNameLst>
-                      </p:cBhvr>
-                      <p:to>
-                        <p:strVal val="hidden"/>
-                      </p:to>
-                    </p:set>
-                  </p:childTnLst>
-                </p:cTn>
-              </p:par>
-            </p:tnLst>
-          </p:tmpl>
-        </p:tmplLst>
-      </p:bldP>
-    </p:bldLst>
-  </p:timing>
 </p:sldLayout>
 </file>
 
@@ -3178,7 +3187,7 @@
               </a:spcAft>
               <a:defRPr spc="0">
                 <a:latin typeface="Times New Roman" panose="02020603050405020304" pitchFamily="18" charset="0"/>
-                <a:ea typeface="汉仪大宋简" panose="02010609000101010101" charset="-122"/>
+                <a:ea typeface="Songti TC" panose="02010600040101010101" pitchFamily="2" charset="-120"/>
                 <a:cs typeface="Times New Roman" panose="02020603050405020304" pitchFamily="18" charset="0"/>
               </a:defRPr>
             </a:lvl1pPr>
@@ -3225,7 +3234,6 @@
               <a:rPr lang="zh-CN" altLang="en-US" dirty="0"/>
               <a:t>HEADER</a:t>
             </a:r>
-            <a:endParaRPr lang="zh-CN" altLang="en-US" dirty="0"/>
           </a:p>
         </p:txBody>
       </p:sp>
@@ -3304,7 +3312,6 @@
               <a:rPr lang="zh-CN" altLang="en-US" dirty="0"/>
               <a:t>Legend</a:t>
             </a:r>
-            <a:endParaRPr lang="zh-CN" altLang="en-US" dirty="0"/>
           </a:p>
         </p:txBody>
       </p:sp>
@@ -3383,7 +3390,6 @@
               <a:rPr lang="zh-CN" altLang="en-US" dirty="0"/>
               <a:t>TEXT</a:t>
             </a:r>
-            <a:endParaRPr lang="zh-CN" altLang="en-US" dirty="0"/>
           </a:p>
         </p:txBody>
       </p:sp>
@@ -3441,28 +3447,24 @@
               <a:rPr lang="zh-CN" altLang="en-US" dirty="0"/>
               <a:t>PLEASE</a:t>
             </a:r>
-            <a:endParaRPr lang="zh-CN" altLang="en-US" dirty="0"/>
           </a:p>
           <a:p>
             <a:r>
               <a:rPr lang="zh-CN" altLang="en-US" dirty="0"/>
               <a:t>INSERT</a:t>
             </a:r>
-            <a:endParaRPr lang="zh-CN" altLang="en-US" dirty="0"/>
           </a:p>
           <a:p>
             <a:r>
               <a:rPr lang="zh-CN" altLang="en-US" dirty="0"/>
               <a:t>IMAGE</a:t>
             </a:r>
-            <a:endParaRPr lang="zh-CN" altLang="en-US" dirty="0"/>
           </a:p>
           <a:p>
             <a:r>
               <a:rPr lang="zh-CN" altLang="en-US" dirty="0"/>
               <a:t>HERE</a:t>
             </a:r>
-            <a:endParaRPr lang="zh-CN" altLang="en-US" dirty="0"/>
           </a:p>
         </p:txBody>
       </p:sp>
@@ -3638,17 +3640,6 @@
               </a:rPr>
               <a:t>Thank you for listening.</a:t>
             </a:r>
-            <a:endParaRPr lang="en-US" altLang="zh-CN" sz="3600" b="1" i="1" kern="100" dirty="0">
-              <a:solidFill>
-                <a:schemeClr val="tx1">
-                  <a:lumMod val="65000"/>
-                  <a:lumOff val="35000"/>
-                </a:schemeClr>
-              </a:solidFill>
-              <a:latin typeface="Times New Roman" panose="02020603050405020304" pitchFamily="18" charset="0"/>
-              <a:ea typeface="汉仪大宋简" panose="02010609000101010101" charset="-122"/>
-              <a:cs typeface="Times New Roman" panose="02020603050405020304" pitchFamily="18" charset="0"/>
-            </a:endParaRPr>
           </a:p>
           <a:p>
             <a:pPr marL="133350" indent="304800" algn="ctr">
@@ -3676,17 +3667,6 @@
               </a:rPr>
               <a:t>Your feedback will be highly appreciated!</a:t>
             </a:r>
-            <a:endParaRPr lang="en-US" altLang="zh-CN" sz="3600" b="1" i="1" kern="100" dirty="0">
-              <a:solidFill>
-                <a:schemeClr val="tx1">
-                  <a:lumMod val="65000"/>
-                  <a:lumOff val="35000"/>
-                </a:schemeClr>
-              </a:solidFill>
-              <a:latin typeface="Times New Roman" panose="02020603050405020304" pitchFamily="18" charset="0"/>
-              <a:ea typeface="汉仪大宋简" panose="02010609000101010101" charset="-122"/>
-              <a:cs typeface="Times New Roman" panose="02020603050405020304" pitchFamily="18" charset="0"/>
-            </a:endParaRPr>
           </a:p>
         </p:txBody>
       </p:sp>
@@ -3788,15 +3768,6 @@
               </a:rPr>
               <a:t>haring</a:t>
             </a:r>
-            <a:endParaRPr lang="zh-CN" sz="3600" b="1" i="1">
-              <a:solidFill>
-                <a:srgbClr val="59595B"/>
-              </a:solidFill>
-              <a:latin typeface="Times New Roman" panose="02020603050405020304" pitchFamily="18" charset="0"/>
-              <a:ea typeface="汉仪大宋简" panose="02010609000101010101" charset="-122"/>
-              <a:cs typeface="Times New Roman" panose="02020603050405020304" pitchFamily="18" charset="0"/>
-              <a:sym typeface="+mn-ea"/>
-            </a:endParaRPr>
           </a:p>
         </p:txBody>
       </p:sp>
@@ -4003,6 +3974,7 @@
           <a:p>
             <a:fld id="{82F288E0-7875-42C4-84C8-98DBBD3BF4D2}" type="datetimeFigureOut">
               <a:rPr lang="zh-CN" altLang="en-US" smtClean="0"/>
+              <a:t>2022/3/14</a:t>
             </a:fld>
             <a:endParaRPr lang="zh-CN" altLang="en-US"/>
           </a:p>
@@ -4054,6 +4026,7 @@
           <a:p>
             <a:fld id="{7D9BB5D0-35E4-459D-AEF3-FE4D7C45CC19}" type="slidenum">
               <a:rPr lang="zh-CN" altLang="en-US" smtClean="0"/>
+              <a:t>‹#›</a:t>
             </a:fld>
             <a:endParaRPr lang="zh-CN" altLang="en-US"/>
           </a:p>
@@ -4106,7 +4079,7 @@
           <p:cNvSpPr/>
           <p:nvPr>
             <p:custDataLst>
-              <p:tags r:id="rId8"/>
+              <p:tags r:id="rId9"/>
             </p:custDataLst>
           </p:nvPr>
         </p:nvSpPr>
@@ -4464,7 +4437,7 @@
 </file>
 
 <file path=ppt/tags/tag1.xml><?xml version="1.0" encoding="utf-8"?>
-<p:tagLst xmlns:p="http://schemas.openxmlformats.org/presentationml/2006/main">
+<p:tagLst xmlns:a="http://schemas.openxmlformats.org/drawingml/2006/main" xmlns:r="http://schemas.openxmlformats.org/officeDocument/2006/relationships" xmlns:p="http://schemas.openxmlformats.org/presentationml/2006/main">
   <p:tag name="KSO_WM_TEMPLATE_THUMBS_INDEX" val="1、2、3、6、8、10、11、12、15"/>
   <p:tag name="KSO_WM_TEMPLATE_SUBCATEGORY" val="0"/>
   <p:tag name="KSO_WM_TAG_VERSION" val="1.0"/>
@@ -4665,6 +4638,8 @@
       </a:bgFillStyleLst>
     </a:fmtScheme>
   </a:themeElements>
+  <a:objectDefaults/>
+  <a:extraClrSchemeLst/>
   <a:extLst>
     <a:ext uri="{05A4C25C-085E-4340-85A3-A5531E510DB2}">
       <thm15:themeFamily xmlns:thm15="http://schemas.microsoft.com/office/thememl/2012/main" name="Office Theme" id="{62F939B6-93AF-4DB8-9C6B-D6C7DFDC589F}" vid="{4A3C46E8-61CC-4603-A589-7422A47A8E4A}"/>
@@ -4924,6 +4899,8 @@
       </a:bgFillStyleLst>
     </a:fmtScheme>
   </a:themeElements>
+  <a:objectDefaults/>
+  <a:extraClrSchemeLst/>
   <a:extLst>
     <a:ext uri="{05A4C25C-085E-4340-85A3-A5531E510DB2}">
       <thm15:themeFamily xmlns:thm15="http://schemas.microsoft.com/office/thememl/2012/main" name="Office Theme" id="{62F939B6-93AF-4DB8-9C6B-D6C7DFDC589F}" vid="{4A3C46E8-61CC-4603-A589-7422A47A8E4A}"/>
@@ -5183,6 +5160,8 @@
       </a:bgFillStyleLst>
     </a:fmtScheme>
   </a:themeElements>
+  <a:objectDefaults/>
+  <a:extraClrSchemeLst/>
   <a:extLst>
     <a:ext uri="{05A4C25C-085E-4340-85A3-A5531E510DB2}">
       <thm15:themeFamily xmlns:thm15="http://schemas.microsoft.com/office/thememl/2012/main" name="Office Theme" id="{62F939B6-93AF-4DB8-9C6B-D6C7DFDC589F}" vid="{4A3C46E8-61CC-4603-A589-7422A47A8E4A}"/>
